--- a/HealthApp/project plan190422.pptx
+++ b/HealthApp/project plan190422.pptx
@@ -1122,14 +1122,35 @@
         </dgm:presLayoutVars>
       </dgm:prSet>
       <dgm:spPr/>
+      <dgm:t>
+        <a:bodyPr/>
+        <a:lstStyle/>
+        <a:p>
+          <a:endParaRPr lang="en-US"/>
+        </a:p>
+      </dgm:t>
     </dgm:pt>
     <dgm:pt modelId="{DC4353E6-F382-4DBF-A17A-1DFC6A33F0E5}" type="pres">
       <dgm:prSet presAssocID="{5E797581-3D2C-4F51-9C5B-4F1066CD75D8}" presName="gear1srcNode" presStyleLbl="node1" presStyleIdx="0" presStyleCnt="3"/>
       <dgm:spPr/>
+      <dgm:t>
+        <a:bodyPr/>
+        <a:lstStyle/>
+        <a:p>
+          <a:endParaRPr lang="en-US"/>
+        </a:p>
+      </dgm:t>
     </dgm:pt>
     <dgm:pt modelId="{7EBE6FB2-9371-40AF-8251-F9620E1FEE2C}" type="pres">
       <dgm:prSet presAssocID="{5E797581-3D2C-4F51-9C5B-4F1066CD75D8}" presName="gear1dstNode" presStyleLbl="node1" presStyleIdx="0" presStyleCnt="3"/>
       <dgm:spPr/>
+      <dgm:t>
+        <a:bodyPr/>
+        <a:lstStyle/>
+        <a:p>
+          <a:endParaRPr lang="en-US"/>
+        </a:p>
+      </dgm:t>
     </dgm:pt>
     <dgm:pt modelId="{BC628F60-D50F-45B1-BAC4-5DE8344313AF}" type="pres">
       <dgm:prSet presAssocID="{77C712A1-6FCE-4F69-9CB5-030381B9F4CB}" presName="gear2" presStyleLbl="node1" presStyleIdx="1" presStyleCnt="3">
@@ -1150,10 +1171,24 @@
     <dgm:pt modelId="{BF728D82-4E12-4172-95FA-8A66ABD54951}" type="pres">
       <dgm:prSet presAssocID="{77C712A1-6FCE-4F69-9CB5-030381B9F4CB}" presName="gear2srcNode" presStyleLbl="node1" presStyleIdx="1" presStyleCnt="3"/>
       <dgm:spPr/>
+      <dgm:t>
+        <a:bodyPr/>
+        <a:lstStyle/>
+        <a:p>
+          <a:endParaRPr lang="en-US"/>
+        </a:p>
+      </dgm:t>
     </dgm:pt>
     <dgm:pt modelId="{133DFED2-57B1-4F44-9BCC-0808E628A412}" type="pres">
       <dgm:prSet presAssocID="{77C712A1-6FCE-4F69-9CB5-030381B9F4CB}" presName="gear2dstNode" presStyleLbl="node1" presStyleIdx="1" presStyleCnt="3"/>
       <dgm:spPr/>
+      <dgm:t>
+        <a:bodyPr/>
+        <a:lstStyle/>
+        <a:p>
+          <a:endParaRPr lang="en-US"/>
+        </a:p>
+      </dgm:t>
     </dgm:pt>
     <dgm:pt modelId="{D1D380B8-2C33-42BD-B726-87DF09363E3D}" type="pres">
       <dgm:prSet presAssocID="{EF8B023D-FD94-47BE-9CA5-3A3DC432272D}" presName="gear3" presStyleLbl="node1" presStyleIdx="2" presStyleCnt="3"/>
@@ -1185,14 +1220,35 @@
     <dgm:pt modelId="{AEA97056-01C6-474A-AB29-7DFA2465ABBB}" type="pres">
       <dgm:prSet presAssocID="{EF8B023D-FD94-47BE-9CA5-3A3DC432272D}" presName="gear3srcNode" presStyleLbl="node1" presStyleIdx="2" presStyleCnt="3"/>
       <dgm:spPr/>
+      <dgm:t>
+        <a:bodyPr/>
+        <a:lstStyle/>
+        <a:p>
+          <a:endParaRPr lang="en-US"/>
+        </a:p>
+      </dgm:t>
     </dgm:pt>
     <dgm:pt modelId="{C173F968-4F9F-4EF0-B793-1235AE5ACF0F}" type="pres">
       <dgm:prSet presAssocID="{EF8B023D-FD94-47BE-9CA5-3A3DC432272D}" presName="gear3dstNode" presStyleLbl="node1" presStyleIdx="2" presStyleCnt="3"/>
       <dgm:spPr/>
+      <dgm:t>
+        <a:bodyPr/>
+        <a:lstStyle/>
+        <a:p>
+          <a:endParaRPr lang="en-US"/>
+        </a:p>
+      </dgm:t>
     </dgm:pt>
     <dgm:pt modelId="{D02648F0-DEE1-42DF-A7BB-B45CB00638D8}" type="pres">
       <dgm:prSet presAssocID="{76CA6B08-EE64-4196-94C2-345CA1A91CE6}" presName="connector1" presStyleLbl="sibTrans2D1" presStyleIdx="0" presStyleCnt="3"/>
       <dgm:spPr/>
+      <dgm:t>
+        <a:bodyPr/>
+        <a:lstStyle/>
+        <a:p>
+          <a:endParaRPr lang="en-US"/>
+        </a:p>
+      </dgm:t>
     </dgm:pt>
     <dgm:pt modelId="{11DA0397-96B4-4D57-A2F2-88DA4F21A190}" type="pres">
       <dgm:prSet presAssocID="{B911755B-FF70-4E11-95F2-C091FBCC0041}" presName="connector2" presStyleLbl="sibTrans2D1" presStyleIdx="1" presStyleCnt="3"/>
@@ -1208,6 +1264,13 @@
     <dgm:pt modelId="{6C076E0B-C8C5-46C1-8DDB-57E733241A65}" type="pres">
       <dgm:prSet presAssocID="{49AFEBA7-A811-41D0-A7D9-20D4B480B3DF}" presName="connector3" presStyleLbl="sibTrans2D1" presStyleIdx="2" presStyleCnt="3"/>
       <dgm:spPr/>
+      <dgm:t>
+        <a:bodyPr/>
+        <a:lstStyle/>
+        <a:p>
+          <a:endParaRPr lang="en-US"/>
+        </a:p>
+      </dgm:t>
     </dgm:pt>
   </dgm:ptLst>
   <dgm:cxnLst>
@@ -1218,12 +1281,12 @@
     <dgm:cxn modelId="{BD9A3C86-6A4E-40F9-B5BA-9A8E9476370A}" type="presOf" srcId="{77C712A1-6FCE-4F69-9CB5-030381B9F4CB}" destId="{BF728D82-4E12-4172-95FA-8A66ABD54951}" srcOrd="1" destOrd="0" presId="urn:microsoft.com/office/officeart/2005/8/layout/gear1"/>
     <dgm:cxn modelId="{BAD801BE-49B2-4CBE-A170-9C234C5E7A39}" type="presOf" srcId="{EF8B023D-FD94-47BE-9CA5-3A3DC432272D}" destId="{D1D380B8-2C33-42BD-B726-87DF09363E3D}" srcOrd="0" destOrd="0" presId="urn:microsoft.com/office/officeart/2005/8/layout/gear1"/>
     <dgm:cxn modelId="{C7497674-168E-4FE0-A7E1-AED73586A3D1}" srcId="{E87058A5-F177-41BF-9429-4484ECCDAD2C}" destId="{5E797581-3D2C-4F51-9C5B-4F1066CD75D8}" srcOrd="0" destOrd="0" parTransId="{2AAC6842-F85E-4D4B-A58C-5809D6FC9DCC}" sibTransId="{76CA6B08-EE64-4196-94C2-345CA1A91CE6}"/>
+    <dgm:cxn modelId="{C42C006B-24C3-4CB7-A2DA-A608C44F1406}" type="presOf" srcId="{5E797581-3D2C-4F51-9C5B-4F1066CD75D8}" destId="{DC4353E6-F382-4DBF-A17A-1DFC6A33F0E5}" srcOrd="1" destOrd="0" presId="urn:microsoft.com/office/officeart/2005/8/layout/gear1"/>
     <dgm:cxn modelId="{2989711D-612E-4264-B90A-27FD26A2498F}" type="presOf" srcId="{B911755B-FF70-4E11-95F2-C091FBCC0041}" destId="{11DA0397-96B4-4D57-A2F2-88DA4F21A190}" srcOrd="0" destOrd="0" presId="urn:microsoft.com/office/officeart/2005/8/layout/gear1"/>
-    <dgm:cxn modelId="{C42C006B-24C3-4CB7-A2DA-A608C44F1406}" type="presOf" srcId="{5E797581-3D2C-4F51-9C5B-4F1066CD75D8}" destId="{DC4353E6-F382-4DBF-A17A-1DFC6A33F0E5}" srcOrd="1" destOrd="0" presId="urn:microsoft.com/office/officeart/2005/8/layout/gear1"/>
     <dgm:cxn modelId="{1428C3E1-3AE4-45A9-9DB0-C67B1F6336E9}" type="presOf" srcId="{5E797581-3D2C-4F51-9C5B-4F1066CD75D8}" destId="{7EBE6FB2-9371-40AF-8251-F9620E1FEE2C}" srcOrd="2" destOrd="0" presId="urn:microsoft.com/office/officeart/2005/8/layout/gear1"/>
     <dgm:cxn modelId="{4C3280BD-85E1-486B-847F-0C74172A4947}" type="presOf" srcId="{76CA6B08-EE64-4196-94C2-345CA1A91CE6}" destId="{D02648F0-DEE1-42DF-A7BB-B45CB00638D8}" srcOrd="0" destOrd="0" presId="urn:microsoft.com/office/officeart/2005/8/layout/gear1"/>
+    <dgm:cxn modelId="{9BF138EB-3D13-43C1-AAC0-FA700A9C29BD}" type="presOf" srcId="{77C712A1-6FCE-4F69-9CB5-030381B9F4CB}" destId="{BC628F60-D50F-45B1-BAC4-5DE8344313AF}" srcOrd="0" destOrd="0" presId="urn:microsoft.com/office/officeart/2005/8/layout/gear1"/>
     <dgm:cxn modelId="{8591E55D-1127-4154-A77F-D7AC280B4FEA}" srcId="{E87058A5-F177-41BF-9429-4484ECCDAD2C}" destId="{77C712A1-6FCE-4F69-9CB5-030381B9F4CB}" srcOrd="1" destOrd="0" parTransId="{8774F4F9-91D8-4935-8FC8-6B8EEFDF0B54}" sibTransId="{B911755B-FF70-4E11-95F2-C091FBCC0041}"/>
-    <dgm:cxn modelId="{9BF138EB-3D13-43C1-AAC0-FA700A9C29BD}" type="presOf" srcId="{77C712A1-6FCE-4F69-9CB5-030381B9F4CB}" destId="{BC628F60-D50F-45B1-BAC4-5DE8344313AF}" srcOrd="0" destOrd="0" presId="urn:microsoft.com/office/officeart/2005/8/layout/gear1"/>
     <dgm:cxn modelId="{802D7FD0-3725-4272-86F0-22F64B062DF2}" type="presOf" srcId="{5E797581-3D2C-4F51-9C5B-4F1066CD75D8}" destId="{9B2B8CAD-CA22-471F-BAE8-671F62C6AF7B}" srcOrd="0" destOrd="0" presId="urn:microsoft.com/office/officeart/2005/8/layout/gear1"/>
     <dgm:cxn modelId="{043AB780-8EEB-4D68-90AD-D3CD84524A77}" type="presOf" srcId="{EF8B023D-FD94-47BE-9CA5-3A3DC432272D}" destId="{C173F968-4F9F-4EF0-B793-1235AE5ACF0F}" srcOrd="3" destOrd="0" presId="urn:microsoft.com/office/officeart/2005/8/layout/gear1"/>
     <dgm:cxn modelId="{40AD94F4-D3C4-4649-BB7F-03A03DB825FB}" type="presOf" srcId="{77C712A1-6FCE-4F69-9CB5-030381B9F4CB}" destId="{133DFED2-57B1-4F44-9BCC-0808E628A412}" srcOrd="2" destOrd="0" presId="urn:microsoft.com/office/officeart/2005/8/layout/gear1"/>
@@ -6699,7 +6762,6 @@
               <a:rPr lang="en-AU" sz="2400" dirty="0" smtClean="0"/>
               <a:t>now”? </a:t>
             </a:r>
-            <a:endParaRPr lang="en-AU" sz="2400" dirty="0" smtClean="0"/>
           </a:p>
           <a:p>
             <a:pPr marL="342900" indent="-342900">
@@ -6719,19 +6781,7 @@
             </a:r>
             <a:r>
               <a:rPr lang="en-AU" sz="2400" dirty="0" smtClean="0"/>
-              <a:t>Create </a:t>
-            </a:r>
-            <a:r>
-              <a:rPr lang="en-AU" sz="2400" dirty="0" smtClean="0"/>
-              <a:t>DAK </a:t>
-            </a:r>
-            <a:r>
-              <a:rPr lang="en-AU" sz="2400" dirty="0" smtClean="0"/>
-              <a:t>app </a:t>
-            </a:r>
-            <a:r>
-              <a:rPr lang="en-AU" sz="2400" dirty="0" smtClean="0"/>
-              <a:t>to perform predictions for various scenarios by utilising machine learning algorithms, python libraries with front end UI and host on a cloud platform with public access</a:t>
+              <a:t>Create DAK app to perform predictions for various scenarios by utilising machine learning algorithms, python libraries with front end UI and host on a cloud platform with public access</a:t>
             </a:r>
           </a:p>
           <a:p>
@@ -6748,11 +6798,7 @@
             </a:pPr>
             <a:r>
               <a:rPr lang="en-AU" sz="2400" b="1" dirty="0" smtClean="0"/>
-              <a:t>Team </a:t>
-            </a:r>
-            <a:r>
-              <a:rPr lang="en-AU" sz="2400" b="1" dirty="0" smtClean="0"/>
-              <a:t>Members: </a:t>
+              <a:t>Team Members: </a:t>
             </a:r>
           </a:p>
           <a:p>
@@ -6782,11 +6828,7 @@
             </a:pPr>
             <a:r>
               <a:rPr lang="en-AU" sz="2400" dirty="0" smtClean="0"/>
-              <a:t>Kevin Nguyen (KN</a:t>
-            </a:r>
-            <a:r>
-              <a:rPr lang="en-AU" sz="2400" dirty="0" smtClean="0"/>
-              <a:t>)</a:t>
+              <a:t>Kevin Nguyen (KN)</a:t>
             </a:r>
           </a:p>
           <a:p>
@@ -6848,15 +6890,7 @@
                   <a:srgbClr val="FF0000"/>
                 </a:solidFill>
               </a:rPr>
-              <a:t>Project “</a:t>
-            </a:r>
-            <a:r>
-              <a:rPr lang="en-AU" sz="4400" b="1" dirty="0" smtClean="0">
-                <a:solidFill>
-                  <a:srgbClr val="FF0000"/>
-                </a:solidFill>
-              </a:rPr>
-              <a:t>DAK”</a:t>
+              <a:t>Project “DAK”</a:t>
             </a:r>
             <a:endParaRPr lang="en-US" sz="4400" b="1" dirty="0">
               <a:solidFill>
@@ -6998,21 +7032,8 @@
                   <a:srgbClr val="FFFF00"/>
                 </a:solidFill>
               </a:rPr>
-              <a:t>, </a:t>
-            </a:r>
-            <a:r>
-              <a:rPr lang="en-AU" dirty="0" smtClean="0">
-                <a:solidFill>
-                  <a:srgbClr val="FFFF00"/>
-                </a:solidFill>
-              </a:rPr>
-              <a:t>etc…</a:t>
-            </a:r>
-            <a:endParaRPr lang="en-AU" dirty="0" smtClean="0">
-              <a:solidFill>
-                <a:srgbClr val="FFFF00"/>
-              </a:solidFill>
-            </a:endParaRPr>
+              <a:t>, etc…</a:t>
+            </a:r>
           </a:p>
           <a:p>
             <a:pPr marL="800100" lvl="1" indent="-342900"/>
@@ -7094,7 +7115,6 @@
               <a:rPr lang="en-AU" sz="2400" b="1" dirty="0" smtClean="0"/>
               <a:t>Sources:</a:t>
             </a:r>
-            <a:endParaRPr lang="en-AU" sz="2400" b="1" dirty="0" smtClean="0"/>
           </a:p>
           <a:p>
             <a:pPr marL="800100" lvl="1" indent="-342900">
@@ -7113,19 +7133,7 @@
               <a:rPr lang="en-AU" sz="1400" dirty="0" smtClean="0">
                 <a:hlinkClick r:id="rId2"/>
               </a:rPr>
-              <a:t>https</a:t>
-            </a:r>
-            <a:r>
-              <a:rPr lang="en-AU" sz="1400" dirty="0" smtClean="0">
-                <a:hlinkClick r:id="rId2"/>
-              </a:rPr>
-              <a:t>://</a:t>
-            </a:r>
-            <a:r>
-              <a:rPr lang="en-AU" sz="1400" dirty="0" smtClean="0">
-                <a:hlinkClick r:id="rId2"/>
-              </a:rPr>
-              <a:t>www.kaggle.com/code/ahmedklabi/heart-disease-pred/data</a:t>
+              <a:t>https://www.kaggle.com/code/ahmedklabi/heart-disease-pred/data</a:t>
             </a:r>
             <a:endParaRPr lang="en-AU" sz="1400" dirty="0" smtClean="0"/>
           </a:p>
@@ -7146,13 +7154,7 @@
               <a:rPr lang="en-AU" sz="1400" dirty="0" smtClean="0">
                 <a:hlinkClick r:id="rId3"/>
               </a:rPr>
-              <a:t>https://</a:t>
-            </a:r>
-            <a:r>
-              <a:rPr lang="en-AU" sz="1400" dirty="0" smtClean="0">
-                <a:hlinkClick r:id="rId3"/>
-              </a:rPr>
-              <a:t>data.world/aaizemberg/absenteeismatwork/workspace/file?filename=Absenteeism_at_work.tsv</a:t>
+              <a:t>https://data.world/aaizemberg/absenteeismatwork/workspace/file?filename=Absenteeism_at_work.tsv</a:t>
             </a:r>
             <a:endParaRPr lang="en-AU" sz="1400" dirty="0" smtClean="0"/>
           </a:p>
@@ -8879,23 +8881,7 @@
                   <a:srgbClr val="FF0000"/>
                 </a:solidFill>
               </a:rPr>
-              <a:t>High </a:t>
-            </a:r>
-            <a:r>
-              <a:rPr lang="en-AU" sz="3200" b="1" dirty="0" smtClean="0">
-                <a:solidFill>
-                  <a:srgbClr val="FF0000"/>
-                </a:solidFill>
-              </a:rPr>
-              <a:t>Level </a:t>
-            </a:r>
-            <a:r>
-              <a:rPr lang="en-AU" sz="3200" b="1" dirty="0" smtClean="0">
-                <a:solidFill>
-                  <a:srgbClr val="FF0000"/>
-                </a:solidFill>
-              </a:rPr>
-              <a:t>Design</a:t>
+              <a:t>High Level Design</a:t>
             </a:r>
             <a:endParaRPr lang="en-US" sz="3200" b="1" dirty="0">
               <a:solidFill>
@@ -9016,21 +9002,8 @@
             </a:pPr>
             <a:r>
               <a:rPr lang="en-AU" dirty="0" smtClean="0"/>
-              <a:t> Research project topic </a:t>
-            </a:r>
-            <a:r>
-              <a:rPr lang="en-AU" dirty="0" smtClean="0"/>
-              <a:t>and </a:t>
-            </a:r>
-            <a:r>
-              <a:rPr lang="en-AU" dirty="0" smtClean="0"/>
-              <a:t>select </a:t>
-            </a:r>
-            <a:r>
-              <a:rPr lang="en-AU" dirty="0" smtClean="0"/>
-              <a:t>datasets on various sources</a:t>
-            </a:r>
-            <a:endParaRPr lang="en-AU" dirty="0" smtClean="0"/>
+              <a:t> Research project topic and select datasets on various sources</a:t>
+            </a:r>
           </a:p>
           <a:p>
             <a:pPr>
@@ -9043,11 +9016,7 @@
             </a:r>
             <a:r>
               <a:rPr lang="en-AU" dirty="0" smtClean="0"/>
-              <a:t>Create project </a:t>
-            </a:r>
-            <a:r>
-              <a:rPr lang="en-AU" dirty="0" smtClean="0"/>
-              <a:t>plan and </a:t>
+              <a:t>Create project plan and </a:t>
             </a:r>
             <a:r>
               <a:rPr lang="en-AU" dirty="0" err="1" smtClean="0"/>
@@ -9065,11 +9034,7 @@
             </a:pPr>
             <a:r>
               <a:rPr lang="en-AU" dirty="0" smtClean="0"/>
-              <a:t> </a:t>
-            </a:r>
-            <a:r>
-              <a:rPr lang="en-AU" dirty="0" smtClean="0"/>
-              <a:t>Project is adopting Agile methodology for software development:</a:t>
+              <a:t> Project is adopting Agile methodology for software development:</a:t>
             </a:r>
           </a:p>
           <a:p>
@@ -9079,17 +9044,8 @@
             </a:pPr>
             <a:r>
               <a:rPr lang="en-AU" dirty="0" smtClean="0"/>
-              <a:t> Iterations </a:t>
-            </a:r>
-            <a:r>
-              <a:rPr lang="en-AU" dirty="0" smtClean="0"/>
-              <a:t>of design, </a:t>
-            </a:r>
-            <a:r>
-              <a:rPr lang="en-AU" dirty="0" smtClean="0"/>
-              <a:t>coding, testing for the app’s front and back-end. </a:t>
-            </a:r>
-            <a:endParaRPr lang="en-AU" dirty="0" smtClean="0"/>
+              <a:t> Iterations of design, coding, testing for the app’s front and back-end. </a:t>
+            </a:r>
           </a:p>
           <a:p>
             <a:pPr lvl="1">
@@ -9098,15 +9054,7 @@
             </a:pPr>
             <a:r>
               <a:rPr lang="en-AU" dirty="0" smtClean="0"/>
-              <a:t> Minimum viable product (MVP): a working </a:t>
-            </a:r>
-            <a:r>
-              <a:rPr lang="en-AU" dirty="0" smtClean="0"/>
-              <a:t>machine learning </a:t>
-            </a:r>
-            <a:r>
-              <a:rPr lang="en-AU" dirty="0" smtClean="0"/>
-              <a:t>model (ML) with user interface (UI) front end that hosted on a cloud platform</a:t>
+              <a:t> Minimum viable product (MVP): a working machine learning model (ML) with user interface (UI) front end that hosted on a cloud platform</a:t>
             </a:r>
           </a:p>
           <a:p>
@@ -9116,13 +9064,8 @@
             </a:pPr>
             <a:r>
               <a:rPr lang="en-AU" dirty="0" smtClean="0"/>
-              <a:t> </a:t>
-            </a:r>
-            <a:r>
-              <a:rPr lang="en-AU" dirty="0" smtClean="0"/>
-              <a:t>Product: a completed a scalable front end web site with various ML models that hosted on a cloud platform.</a:t>
-            </a:r>
-            <a:endParaRPr lang="en-AU" dirty="0" smtClean="0"/>
+              <a:t> Product: a completed a scalable front end web site with various ML models that hosted on a cloud platform.</a:t>
+            </a:r>
           </a:p>
           <a:p>
             <a:pPr>
@@ -9131,15 +9074,7 @@
             </a:pPr>
             <a:r>
               <a:rPr lang="en-AU" dirty="0" smtClean="0"/>
-              <a:t> On-going </a:t>
-            </a:r>
-            <a:r>
-              <a:rPr lang="en-AU" dirty="0" smtClean="0"/>
-              <a:t>task allocations: self-manage, support other team members as </a:t>
-            </a:r>
-            <a:r>
-              <a:rPr lang="en-AU" dirty="0" smtClean="0"/>
-              <a:t>required</a:t>
+              <a:t> On-going task allocations: self-manage, support other team members as required</a:t>
             </a:r>
           </a:p>
           <a:p>
@@ -9149,13 +9084,8 @@
             </a:pPr>
             <a:r>
               <a:rPr lang="en-AU" dirty="0" smtClean="0"/>
-              <a:t> </a:t>
-            </a:r>
-            <a:r>
-              <a:rPr lang="en-AU" dirty="0" smtClean="0"/>
-              <a:t>Project presentation</a:t>
-            </a:r>
-            <a:endParaRPr lang="en-AU" dirty="0" smtClean="0"/>
+              <a:t> Project presentation</a:t>
+            </a:r>
           </a:p>
           <a:p>
             <a:pPr>
@@ -9694,7 +9624,6 @@
                         <a:rPr lang="en-AU" sz="1100" b="0" u="none" baseline="0" dirty="0" smtClean="0"/>
                         <a:t>Front-end web site design</a:t>
                       </a:r>
-                      <a:endParaRPr lang="en-AU" sz="1100" b="0" u="none" baseline="0" dirty="0" smtClean="0"/>
                     </a:p>
                   </a:txBody>
                   <a:tcPr/>
@@ -10076,15 +10005,7 @@
                   <a:srgbClr val="00B0F0"/>
                 </a:solidFill>
               </a:rPr>
-              <a:t>Project </a:t>
-            </a:r>
-            <a:r>
-              <a:rPr lang="en-AU" sz="3200" b="1" dirty="0" smtClean="0">
-                <a:solidFill>
-                  <a:srgbClr val="00B0F0"/>
-                </a:solidFill>
-              </a:rPr>
-              <a:t>Schedules &amp; Milestones</a:t>
+              <a:t>Project Schedules &amp; Milestones</a:t>
             </a:r>
             <a:endParaRPr lang="en-US" sz="3200" b="1" dirty="0">
               <a:solidFill>
@@ -10193,13 +10114,16 @@
             </a:r>
             <a:r>
               <a:rPr lang="en-AU" b="1" dirty="0" smtClean="0"/>
-              <a:t>EDA on </a:t>
+              <a:t>E</a:t>
             </a:r>
             <a:r>
               <a:rPr lang="en-AU" b="1" dirty="0" smtClean="0"/>
-              <a:t>datasets</a:t>
-            </a:r>
-            <a:endParaRPr lang="en-AU" b="1" dirty="0" smtClean="0"/>
+              <a:t>xploratory Data Analysis (EDA) </a:t>
+            </a:r>
+            <a:r>
+              <a:rPr lang="en-AU" b="1" dirty="0" smtClean="0"/>
+              <a:t>on datasets</a:t>
+            </a:r>
           </a:p>
           <a:p>
             <a:pPr marL="800100" lvl="1" indent="-342900">
@@ -10220,23 +10144,35 @@
                   <a:schemeClr val="bg1"/>
                 </a:solidFill>
               </a:rPr>
-              <a:t> </a:t>
-            </a:r>
+              <a:t> Restaurant Reviews.</a:t>
+            </a:r>
+          </a:p>
+          <a:p>
+            <a:pPr marL="1257300" lvl="2" indent="-342900">
+              <a:buFont typeface="Wingdings" pitchFamily="2" charset="2"/>
+              <a:buChar char="§"/>
+            </a:pPr>
+            <a:r>
+              <a:rPr lang="en-AU" u="sng" dirty="0" smtClean="0"/>
+              <a:t>Outcome</a:t>
+            </a:r>
+            <a:r>
+              <a:rPr lang="en-AU" dirty="0" smtClean="0"/>
+              <a:t>: Unable to utilise on the project as the data is heavily skewed for the restaurants in India</a:t>
+            </a:r>
+          </a:p>
+          <a:p>
+            <a:pPr marL="800100" lvl="1" indent="-342900">
+              <a:buFont typeface="+mj-lt"/>
+              <a:buAutoNum type="arabicPeriod"/>
+            </a:pPr>
             <a:r>
               <a:rPr lang="en-AU" b="1" dirty="0" smtClean="0">
                 <a:solidFill>
                   <a:schemeClr val="bg1"/>
                 </a:solidFill>
               </a:rPr>
-              <a:t>Restaurant </a:t>
-            </a:r>
-            <a:r>
-              <a:rPr lang="en-AU" b="1" dirty="0" smtClean="0">
-                <a:solidFill>
-                  <a:schemeClr val="bg1"/>
-                </a:solidFill>
-              </a:rPr>
-              <a:t>Reviews.</a:t>
+              <a:t>Absenteeism at work.</a:t>
             </a:r>
           </a:p>
           <a:p>
@@ -10250,19 +10186,7 @@
             </a:r>
             <a:r>
               <a:rPr lang="en-AU" dirty="0" smtClean="0"/>
-              <a:t>: Unable </a:t>
-            </a:r>
-            <a:r>
-              <a:rPr lang="en-AU" dirty="0" smtClean="0"/>
-              <a:t>to utilise </a:t>
-            </a:r>
-            <a:r>
-              <a:rPr lang="en-AU" dirty="0" smtClean="0"/>
-              <a:t>on the project as the data is heavily skewed for the restaurants </a:t>
-            </a:r>
-            <a:r>
-              <a:rPr lang="en-AU" dirty="0" smtClean="0"/>
-              <a:t>in India</a:t>
+              <a:t>: Applied 12 different ML methods, 17 out of 21 columns are seemed relevant. Not user friendly as too many fields are required user input</a:t>
             </a:r>
           </a:p>
           <a:p>
@@ -10271,42 +10195,12 @@
               <a:buAutoNum type="arabicPeriod"/>
             </a:pPr>
             <a:r>
-              <a:rPr lang="en-AU" b="1" dirty="0" smtClean="0">
-                <a:solidFill>
-                  <a:schemeClr val="bg1"/>
-                </a:solidFill>
-              </a:rPr>
-              <a:t>Absenteeism </a:t>
-            </a:r>
-            <a:r>
-              <a:rPr lang="en-AU" b="1" dirty="0" smtClean="0">
-                <a:solidFill>
-                  <a:schemeClr val="bg1"/>
-                </a:solidFill>
-              </a:rPr>
-              <a:t>at </a:t>
-            </a:r>
-            <a:r>
-              <a:rPr lang="en-AU" b="1" dirty="0" smtClean="0">
-                <a:solidFill>
-                  <a:schemeClr val="bg1"/>
-                </a:solidFill>
-              </a:rPr>
-              <a:t>work.</a:t>
-            </a:r>
-          </a:p>
-          <a:p>
-            <a:pPr marL="1257300" lvl="2" indent="-342900">
-              <a:buFont typeface="Wingdings" pitchFamily="2" charset="2"/>
-              <a:buChar char="§"/>
-            </a:pPr>
-            <a:r>
-              <a:rPr lang="en-AU" u="sng" dirty="0" smtClean="0"/>
-              <a:t>Outcome</a:t>
-            </a:r>
-            <a:r>
               <a:rPr lang="en-AU" dirty="0" smtClean="0"/>
-              <a:t>: Applied 12 different ML methods, 17 out of 21 columns are seemed relevant. Not user friendly as too many fields are required user input</a:t>
+              <a:t>etc…</a:t>
+            </a:r>
+            <a:r>
+              <a:rPr lang="en-AU" dirty="0" err="1" smtClean="0"/>
+              <a:t>adfafd</a:t>
             </a:r>
             <a:endParaRPr lang="en-AU" dirty="0" smtClean="0"/>
           </a:p>
@@ -10317,24 +10211,8 @@
             </a:pPr>
             <a:r>
               <a:rPr lang="en-AU" dirty="0" smtClean="0"/>
-              <a:t>etc…</a:t>
-            </a:r>
-            <a:r>
-              <a:rPr lang="en-AU" dirty="0" err="1" smtClean="0"/>
-              <a:t>adfafd</a:t>
-            </a:r>
-            <a:endParaRPr lang="en-AU" dirty="0" smtClean="0"/>
-          </a:p>
-          <a:p>
-            <a:pPr marL="800100" lvl="1" indent="-342900">
-              <a:buFont typeface="+mj-lt"/>
-              <a:buAutoNum type="arabicPeriod"/>
-            </a:pPr>
-            <a:r>
-              <a:rPr lang="en-AU" dirty="0" smtClean="0"/>
               <a:t>Etc…</a:t>
             </a:r>
-            <a:endParaRPr lang="en-AU" dirty="0" smtClean="0"/>
           </a:p>
         </p:txBody>
       </p:sp>
